--- a/C2/C2.pptx
+++ b/C2/C2.pptx
@@ -30299,17 +30299,7 @@
                 <a:latin typeface="Consolas" pitchFamily="49" charset="0"/>
                 <a:cs typeface="Consolas" pitchFamily="49" charset="0"/>
               </a:rPr>
-              <a:t>, </a:t>
-            </a:r>
-            <a:r>
-              <a:rPr lang="pt-BR" altLang="zh-CN" sz="1200">
-                <a:solidFill>
-                  <a:srgbClr val="00B0F0"/>
-                </a:solidFill>
-                <a:latin typeface="Consolas" pitchFamily="49" charset="0"/>
-                <a:cs typeface="Consolas" pitchFamily="49" charset="0"/>
-              </a:rPr>
-              <a:t>package</a:t>
+              <a:t>, package</a:t>
             </a:r>
             <a:r>
               <a:rPr lang="pt-BR" altLang="zh-CN" sz="1200" smtClean="0">
@@ -30597,17 +30587,7 @@
                 <a:latin typeface="Consolas" pitchFamily="49" charset="0"/>
                 <a:cs typeface="Consolas" pitchFamily="49" charset="0"/>
               </a:rPr>
-              <a:t>cex.axis=.</a:t>
-            </a:r>
-            <a:r>
-              <a:rPr lang="pt-BR" altLang="zh-CN" sz="1200">
-                <a:solidFill>
-                  <a:srgbClr val="00B0F0"/>
-                </a:solidFill>
-                <a:latin typeface="Consolas" pitchFamily="49" charset="0"/>
-                <a:cs typeface="Consolas" pitchFamily="49" charset="0"/>
-              </a:rPr>
-              <a:t>7</a:t>
+              <a:t>cex.axis=.7</a:t>
             </a:r>
             <a:r>
               <a:rPr lang="pt-BR" altLang="zh-CN" sz="1200" smtClean="0">
@@ -30974,17 +30954,7 @@
                 <a:latin typeface="Consolas" pitchFamily="49" charset="0"/>
                 <a:cs typeface="Consolas" pitchFamily="49" charset="0"/>
               </a:rPr>
-              <a:t>选择第三个插补数据集</a:t>
-            </a:r>
-            <a:r>
-              <a:rPr lang="zh-CN" altLang="en-US" sz="1200">
-                <a:solidFill>
-                  <a:schemeClr val="tx2"/>
-                </a:solidFill>
-                <a:latin typeface="Consolas" pitchFamily="49" charset="0"/>
-                <a:cs typeface="Consolas" pitchFamily="49" charset="0"/>
-              </a:rPr>
-              <a:t>作为</a:t>
+              <a:t>选择第三个插补数据集作为</a:t>
             </a:r>
             <a:r>
               <a:rPr lang="zh-CN" altLang="en-US" sz="1200" smtClean="0">
@@ -31239,17 +31209,7 @@
                 <a:latin typeface="微软雅黑" pitchFamily="34" charset="-122"/>
                 <a:ea typeface="微软雅黑" pitchFamily="34" charset="-122"/>
               </a:rPr>
-              <a:t>是针对经清洗得到的完整有效的数据，按实际业务</a:t>
-            </a:r>
-            <a:r>
-              <a:rPr lang="zh-CN" altLang="en-US">
-                <a:solidFill>
-                  <a:schemeClr val="bg1"/>
-                </a:solidFill>
-                <a:latin typeface="微软雅黑" pitchFamily="34" charset="-122"/>
-                <a:ea typeface="微软雅黑" pitchFamily="34" charset="-122"/>
-              </a:rPr>
-              <a:t>需要</a:t>
+              <a:t>是针对经清洗得到的完整有效的数据，按实际业务需要</a:t>
             </a:r>
             <a:r>
               <a:rPr lang="zh-CN" altLang="en-US" smtClean="0">
@@ -31382,17 +31342,7 @@
                 <a:latin typeface="微软雅黑" pitchFamily="34" charset="-122"/>
                 <a:ea typeface="微软雅黑" pitchFamily="34" charset="-122"/>
               </a:rPr>
-              <a:t>、消费</a:t>
-            </a:r>
-            <a:r>
-              <a:rPr lang="zh-CN" altLang="en-US">
-                <a:solidFill>
-                  <a:schemeClr val="bg1"/>
-                </a:solidFill>
-                <a:latin typeface="微软雅黑" pitchFamily="34" charset="-122"/>
-                <a:ea typeface="微软雅黑" pitchFamily="34" charset="-122"/>
-              </a:rPr>
-              <a:t>和</a:t>
+              <a:t>、消费和</a:t>
             </a:r>
             <a:r>
               <a:rPr lang="zh-CN" altLang="en-US" smtClean="0">
@@ -32531,17 +32481,7 @@
                 <a:latin typeface="Consolas" pitchFamily="49" charset="0"/>
                 <a:cs typeface="Consolas" pitchFamily="49" charset="0"/>
               </a:rPr>
-              <a:t>= </a:t>
-            </a:r>
-            <a:r>
-              <a:rPr lang="pt-BR" altLang="zh-CN" sz="1200">
-                <a:solidFill>
-                  <a:srgbClr val="00B0F0"/>
-                </a:solidFill>
-                <a:latin typeface="Consolas" pitchFamily="49" charset="0"/>
-                <a:cs typeface="Consolas" pitchFamily="49" charset="0"/>
-              </a:rPr>
-              <a:t>data.frame</a:t>
+              <a:t>= data.frame</a:t>
             </a:r>
             <a:r>
               <a:rPr lang="pt-BR" altLang="zh-CN" sz="1200" smtClean="0">
@@ -32755,17 +32695,7 @@
                 <a:latin typeface="Consolas" pitchFamily="49" charset="0"/>
                 <a:cs typeface="Consolas" pitchFamily="49" charset="0"/>
               </a:rPr>
-              <a:t>, 5800, 6000, 10200, </a:t>
-            </a:r>
-            <a:r>
-              <a:rPr lang="pt-BR" altLang="zh-CN" sz="1200">
-                <a:solidFill>
-                  <a:srgbClr val="00B0F0"/>
-                </a:solidFill>
-                <a:latin typeface="Consolas" pitchFamily="49" charset="0"/>
-                <a:cs typeface="Consolas" pitchFamily="49" charset="0"/>
-              </a:rPr>
-              <a:t>8500</a:t>
+              <a:t>, 5800, 6000, 10200, 8500</a:t>
             </a:r>
             <a:r>
               <a:rPr lang="pt-BR" altLang="zh-CN" sz="1200" smtClean="0">
@@ -32807,17 +32737,7 @@
                 <a:latin typeface="Consolas" pitchFamily="49" charset="0"/>
                 <a:cs typeface="Consolas" pitchFamily="49" charset="0"/>
               </a:rPr>
-              <a:t>, 3600, 3500, 5020, </a:t>
-            </a:r>
-            <a:r>
-              <a:rPr lang="pt-BR" altLang="zh-CN" sz="1200">
-                <a:solidFill>
-                  <a:srgbClr val="00B0F0"/>
-                </a:solidFill>
-                <a:latin typeface="Consolas" pitchFamily="49" charset="0"/>
-                <a:cs typeface="Consolas" pitchFamily="49" charset="0"/>
-              </a:rPr>
-              <a:t>6100</a:t>
+              <a:t>, 3600, 3500, 5020, 6100</a:t>
             </a:r>
             <a:r>
               <a:rPr lang="pt-BR" altLang="zh-CN" sz="1200" smtClean="0">
@@ -32859,17 +32779,7 @@
                 <a:latin typeface="Consolas" pitchFamily="49" charset="0"/>
                 <a:cs typeface="Consolas" pitchFamily="49" charset="0"/>
               </a:rPr>
-              <a:t>, 7200, 7400, 11000, </a:t>
-            </a:r>
-            <a:r>
-              <a:rPr lang="pt-BR" altLang="zh-CN" sz="1200">
-                <a:solidFill>
-                  <a:srgbClr val="00B0F0"/>
-                </a:solidFill>
-                <a:latin typeface="Consolas" pitchFamily="49" charset="0"/>
-                <a:cs typeface="Consolas" pitchFamily="49" charset="0"/>
-              </a:rPr>
-              <a:t>9200</a:t>
+              <a:t>, 7200, 7400, 11000, 9200</a:t>
             </a:r>
             <a:r>
               <a:rPr lang="pt-BR" altLang="zh-CN" sz="1200" smtClean="0">
@@ -33250,17 +33160,7 @@
                 <a:latin typeface="Consolas" pitchFamily="49" charset="0"/>
                 <a:cs typeface="Consolas" pitchFamily="49" charset="0"/>
               </a:rPr>
-              <a:t>[1] 0.5000000 0.3888889 0.4000000 </a:t>
-            </a:r>
-            <a:r>
-              <a:rPr lang="en-US" altLang="zh-CN" sz="1200">
-                <a:solidFill>
-                  <a:srgbClr val="00B0F0"/>
-                </a:solidFill>
-                <a:latin typeface="Consolas" pitchFamily="49" charset="0"/>
-                <a:cs typeface="Consolas" pitchFamily="49" charset="0"/>
-              </a:rPr>
-              <a:t>0.1593625 </a:t>
+              <a:t>[1] 0.5000000 0.3888889 0.4000000 0.1593625 </a:t>
             </a:r>
             <a:r>
               <a:rPr lang="en-US" altLang="zh-CN" sz="1200" smtClean="0">
@@ -35081,67 +34981,47 @@
                 <a:latin typeface="微软雅黑" pitchFamily="34" charset="-122"/>
                 <a:ea typeface="微软雅黑" pitchFamily="34" charset="-122"/>
               </a:rPr>
+              <a:t>`pdeposit</a:t>
+            </a:r>
+            <a:r>
+              <a:rPr lang="en-US" altLang="zh-CN" smtClean="0">
+                <a:solidFill>
+                  <a:schemeClr val="bg1"/>
+                </a:solidFill>
+                <a:latin typeface="微软雅黑" pitchFamily="34" charset="-122"/>
+                <a:ea typeface="微软雅黑" pitchFamily="34" charset="-122"/>
+              </a:rPr>
               <a:t>`</a:t>
             </a:r>
             <a:r>
+              <a:rPr lang="zh-CN" altLang="en-US" smtClean="0">
+                <a:solidFill>
+                  <a:schemeClr val="bg1"/>
+                </a:solidFill>
+                <a:latin typeface="微软雅黑" pitchFamily="34" charset="-122"/>
+                <a:ea typeface="微软雅黑" pitchFamily="34" charset="-122"/>
+              </a:rPr>
+              <a:t>（</a:t>
+            </a:r>
+            <a:r>
+              <a:rPr lang="zh-CN" altLang="en-US" smtClean="0">
+                <a:solidFill>
+                  <a:schemeClr val="tx2"/>
+                </a:solidFill>
+                <a:latin typeface="微软雅黑" pitchFamily="34" charset="-122"/>
+                <a:ea typeface="微软雅黑" pitchFamily="34" charset="-122"/>
+              </a:rPr>
+              <a:t>函数</a:t>
+            </a:r>
+            <a:r>
               <a:rPr lang="en-US" altLang="zh-CN">
                 <a:solidFill>
-                  <a:schemeClr val="bg1"/>
-                </a:solidFill>
-                <a:latin typeface="微软雅黑" pitchFamily="34" charset="-122"/>
-                <a:ea typeface="微软雅黑" pitchFamily="34" charset="-122"/>
-              </a:rPr>
-              <a:t>pdeposit</a:t>
-            </a:r>
-            <a:r>
-              <a:rPr lang="en-US" altLang="zh-CN" smtClean="0">
-                <a:solidFill>
-                  <a:schemeClr val="bg1"/>
-                </a:solidFill>
-                <a:latin typeface="微软雅黑" pitchFamily="34" charset="-122"/>
-                <a:ea typeface="微软雅黑" pitchFamily="34" charset="-122"/>
-              </a:rPr>
-              <a:t>`</a:t>
-            </a:r>
-            <a:r>
-              <a:rPr lang="zh-CN" altLang="en-US" smtClean="0">
-                <a:solidFill>
-                  <a:schemeClr val="bg1"/>
-                </a:solidFill>
-                <a:latin typeface="微软雅黑" pitchFamily="34" charset="-122"/>
-                <a:ea typeface="微软雅黑" pitchFamily="34" charset="-122"/>
-              </a:rPr>
-              <a:t>（</a:t>
-            </a:r>
-            <a:r>
-              <a:rPr lang="zh-CN" altLang="en-US" smtClean="0">
-                <a:solidFill>
                   <a:schemeClr val="tx2"/>
                 </a:solidFill>
                 <a:latin typeface="微软雅黑" pitchFamily="34" charset="-122"/>
                 <a:ea typeface="微软雅黑" pitchFamily="34" charset="-122"/>
               </a:rPr>
-              <a:t>函数</a:t>
-            </a:r>
-            <a:r>
-              <a:rPr lang="en-US" altLang="zh-CN">
-                <a:solidFill>
-                  <a:schemeClr val="tx2"/>
-                </a:solidFill>
-                <a:latin typeface="微软雅黑" pitchFamily="34" charset="-122"/>
-                <a:ea typeface="微软雅黑" pitchFamily="34" charset="-122"/>
-              </a:rPr>
-              <a:t>`names</a:t>
-            </a:r>
-            <a:r>
-              <a:rPr lang="en-US" altLang="zh-CN">
-                <a:solidFill>
-                  <a:schemeClr val="tx2"/>
-                </a:solidFill>
-                <a:latin typeface="微软雅黑" pitchFamily="34" charset="-122"/>
-                <a:ea typeface="微软雅黑" pitchFamily="34" charset="-122"/>
-              </a:rPr>
-              <a:t>()` </a:t>
+              <a:t>`names()` </a:t>
             </a:r>
             <a:r>
               <a:rPr lang="zh-CN" altLang="en-US" smtClean="0">
@@ -35273,17 +35153,7 @@
                 <a:latin typeface="Consolas" pitchFamily="49" charset="0"/>
                 <a:cs typeface="Consolas" pitchFamily="49" charset="0"/>
               </a:rPr>
-              <a:t>[1] "province" "cons"  "pop"  "gnp"  "pgnp"  "psave"  </a:t>
-            </a:r>
-            <a:r>
-              <a:rPr lang="en-US" altLang="zh-CN" sz="1200">
-                <a:solidFill>
-                  <a:schemeClr val="bg1"/>
-                </a:solidFill>
-                <a:latin typeface="Consolas" pitchFamily="49" charset="0"/>
-                <a:cs typeface="Consolas" pitchFamily="49" charset="0"/>
-              </a:rPr>
-              <a:t>"</a:t>
+              <a:t>[1] "province" "cons"  "pop"  "gnp"  "pgnp"  "psave"  "</a:t>
             </a:r>
             <a:r>
               <a:rPr lang="en-US" altLang="zh-CN" sz="1200" smtClean="0">
@@ -35388,7 +35258,7 @@
                 <a:latin typeface="Consolas" pitchFamily="49" charset="0"/>
                 <a:cs typeface="Consolas" pitchFamily="49" charset="0"/>
               </a:rPr>
-              <a:t>c(psave</a:t>
+              <a:t>c(pdeposit=</a:t>
             </a:r>
             <a:r>
               <a:rPr lang="en-US" altLang="zh-CN" sz="1200" smtClean="0">
@@ -35398,7 +35268,7 @@
                 <a:latin typeface="Consolas" pitchFamily="49" charset="0"/>
                 <a:cs typeface="Consolas" pitchFamily="49" charset="0"/>
               </a:rPr>
-              <a:t>='</a:t>
+              <a:t>'</a:t>
             </a:r>
             <a:r>
               <a:rPr lang="en-US" altLang="zh-CN" sz="1200">
@@ -35894,17 +35764,7 @@
                 <a:latin typeface="Consolas" pitchFamily="49" charset="0"/>
                 <a:cs typeface="Consolas" pitchFamily="49" charset="0"/>
               </a:rPr>
-              <a:t>('province', </a:t>
-            </a:r>
-            <a:r>
-              <a:rPr lang="en-US" altLang="zh-CN" sz="1200">
-                <a:solidFill>
-                  <a:srgbClr val="00B0F0"/>
-                </a:solidFill>
-                <a:latin typeface="Consolas" pitchFamily="49" charset="0"/>
-                <a:cs typeface="Consolas" pitchFamily="49" charset="0"/>
-              </a:rPr>
-              <a:t>'pgnp</a:t>
+              <a:t>('province', 'pgnp</a:t>
             </a:r>
             <a:r>
               <a:rPr lang="en-US" altLang="zh-CN" sz="1200" smtClean="0">
@@ -36374,17 +36234,7 @@
                 <a:latin typeface="Consolas" pitchFamily="49" charset="0"/>
                 <a:cs typeface="Consolas" pitchFamily="49" charset="0"/>
               </a:rPr>
-              <a:t>[!names(data) %in% c('pgnp', </a:t>
-            </a:r>
-            <a:r>
-              <a:rPr lang="it-IT" altLang="zh-CN" sz="1200">
-                <a:solidFill>
-                  <a:srgbClr val="00B0F0"/>
-                </a:solidFill>
-                <a:latin typeface="Consolas" pitchFamily="49" charset="0"/>
-                <a:cs typeface="Consolas" pitchFamily="49" charset="0"/>
-              </a:rPr>
-              <a:t>'psave</a:t>
+              <a:t>[!names(data) %in% c('pgnp', 'psave</a:t>
             </a:r>
             <a:r>
               <a:rPr lang="it-IT" altLang="zh-CN" sz="1200" smtClean="0">
@@ -37070,17 +36920,7 @@
                 <a:latin typeface="微软雅黑" pitchFamily="34" charset="-122"/>
                 <a:ea typeface="微软雅黑" pitchFamily="34" charset="-122"/>
               </a:rPr>
-              <a:t>集的</a:t>
-            </a:r>
-            <a:r>
-              <a:rPr lang="zh-CN" altLang="en-US">
-                <a:solidFill>
-                  <a:schemeClr val="tx2"/>
-                </a:solidFill>
-                <a:latin typeface="微软雅黑" pitchFamily="34" charset="-122"/>
-                <a:ea typeface="微软雅黑" pitchFamily="34" charset="-122"/>
-              </a:rPr>
-              <a:t>抽取</a:t>
+              <a:t>集的抽取</a:t>
             </a:r>
             <a:r>
               <a:rPr lang="en-US" altLang="zh-CN" smtClean="0">
@@ -39626,13 +39466,6 @@
               </a:rPr>
               <a:t>22.8   8900</a:t>
             </a:r>
-            <a:endParaRPr lang="en-US" altLang="zh-CN" sz="1200">
-              <a:solidFill>
-                <a:schemeClr val="bg1"/>
-              </a:solidFill>
-              <a:latin typeface="Consolas" pitchFamily="49" charset="0"/>
-              <a:cs typeface="Consolas" pitchFamily="49" charset="0"/>
-            </a:endParaRPr>
           </a:p>
         </p:txBody>
       </p:sp>
@@ -39770,7 +39603,17 @@
                 <a:latin typeface="微软雅黑" pitchFamily="34" charset="-122"/>
                 <a:ea typeface="微软雅黑" pitchFamily="34" charset="-122"/>
               </a:rPr>
-              <a:t>两个数据集按行合并</a:t>
+              <a:t>两个数据集按行合并，</a:t>
+            </a:r>
+            <a:r>
+              <a:rPr lang="zh-CN" altLang="en-US" sz="1200" smtClean="0">
+                <a:solidFill>
+                  <a:prstClr val="white"/>
+                </a:solidFill>
+                <a:latin typeface="微软雅黑" pitchFamily="34" charset="-122"/>
+                <a:ea typeface="微软雅黑" pitchFamily="34" charset="-122"/>
+              </a:rPr>
+              <a:t>但两</a:t>
             </a:r>
             <a:r>
               <a:rPr lang="zh-CN" altLang="en-US" sz="1200">
@@ -39780,37 +39623,7 @@
                 <a:latin typeface="微软雅黑" pitchFamily="34" charset="-122"/>
                 <a:ea typeface="微软雅黑" pitchFamily="34" charset="-122"/>
               </a:rPr>
-              <a:t>，</a:t>
-            </a:r>
-            <a:r>
-              <a:rPr lang="zh-CN" altLang="en-US" sz="1200" smtClean="0">
-                <a:solidFill>
-                  <a:prstClr val="white"/>
-                </a:solidFill>
-                <a:latin typeface="微软雅黑" pitchFamily="34" charset="-122"/>
-                <a:ea typeface="微软雅黑" pitchFamily="34" charset="-122"/>
-              </a:rPr>
-              <a:t>但两</a:t>
-            </a:r>
-            <a:r>
-              <a:rPr lang="zh-CN" altLang="en-US" sz="1200">
-                <a:solidFill>
-                  <a:prstClr val="white"/>
-                </a:solidFill>
-                <a:latin typeface="微软雅黑" pitchFamily="34" charset="-122"/>
-                <a:ea typeface="微软雅黑" pitchFamily="34" charset="-122"/>
-              </a:rPr>
-              <a:t>个数据集的列名及排序</a:t>
-            </a:r>
-            <a:r>
-              <a:rPr lang="zh-CN" altLang="en-US" sz="1200">
-                <a:solidFill>
-                  <a:prstClr val="white"/>
-                </a:solidFill>
-                <a:latin typeface="微软雅黑" pitchFamily="34" charset="-122"/>
-                <a:ea typeface="微软雅黑" pitchFamily="34" charset="-122"/>
-              </a:rPr>
-              <a:t>必须</a:t>
+              <a:t>个数据集的列名及排序必须</a:t>
             </a:r>
             <a:r>
               <a:rPr lang="zh-CN" altLang="en-US" sz="1200" smtClean="0">
@@ -40159,7 +39972,7 @@
         <p:spPr>
           <a:xfrm>
             <a:off x="495300" y="1138947"/>
-            <a:ext cx="8153400" cy="2554545"/>
+            <a:ext cx="8153400" cy="2877711"/>
           </a:xfrm>
           <a:prstGeom prst="rect">
             <a:avLst/>
@@ -40358,7 +40171,7 @@
                 <a:latin typeface="微软雅黑" pitchFamily="34" charset="-122"/>
                 <a:ea typeface="微软雅黑" pitchFamily="34" charset="-122"/>
               </a:rPr>
-              <a:t>。对于</a:t>
+              <a:t>。安装</a:t>
             </a:r>
             <a:r>
               <a:rPr lang="en-US" altLang="zh-CN" smtClean="0">
@@ -40378,7 +40191,7 @@
                 <a:latin typeface="微软雅黑" pitchFamily="34" charset="-122"/>
                 <a:ea typeface="微软雅黑" pitchFamily="34" charset="-122"/>
               </a:rPr>
-              <a:t>，</a:t>
+              <a:t>上的依赖时，</a:t>
             </a:r>
             <a:r>
               <a:rPr lang="zh-CN" altLang="en-US">
@@ -40458,7 +40271,7 @@
                 <a:latin typeface="微软雅黑" pitchFamily="34" charset="-122"/>
                 <a:ea typeface="微软雅黑" pitchFamily="34" charset="-122"/>
               </a:rPr>
-              <a:t>，若以</a:t>
+              <a:t>上的依赖，若以</a:t>
             </a:r>
             <a:r>
               <a:rPr lang="en-US" altLang="zh-CN" smtClean="0">
@@ -40478,27 +40291,27 @@
                 <a:latin typeface="微软雅黑" pitchFamily="34" charset="-122"/>
                 <a:ea typeface="微软雅黑" pitchFamily="34" charset="-122"/>
               </a:rPr>
+              <a:t>用户名或组织名</a:t>
+            </a:r>
+            <a:r>
+              <a:rPr lang="en-US" altLang="zh-CN" smtClean="0">
+                <a:solidFill>
+                  <a:schemeClr val="bg1"/>
+                </a:solidFill>
+                <a:latin typeface="微软雅黑" pitchFamily="34" charset="-122"/>
+                <a:ea typeface="微软雅黑" pitchFamily="34" charset="-122"/>
+              </a:rPr>
+              <a:t>/</a:t>
+            </a:r>
+            <a:r>
+              <a:rPr lang="zh-CN" altLang="en-US">
+                <a:solidFill>
+                  <a:schemeClr val="bg1"/>
+                </a:solidFill>
+                <a:latin typeface="微软雅黑" pitchFamily="34" charset="-122"/>
+                <a:ea typeface="微软雅黑" pitchFamily="34" charset="-122"/>
+              </a:rPr>
               <a:t>仓库名</a:t>
-            </a:r>
-            <a:r>
-              <a:rPr lang="en-US" altLang="zh-CN" smtClean="0">
-                <a:solidFill>
-                  <a:schemeClr val="bg1"/>
-                </a:solidFill>
-                <a:latin typeface="微软雅黑" pitchFamily="34" charset="-122"/>
-                <a:ea typeface="微软雅黑" pitchFamily="34" charset="-122"/>
-              </a:rPr>
-              <a:t>/</a:t>
-            </a:r>
-            <a:r>
-              <a:rPr lang="zh-CN" altLang="en-US">
-                <a:solidFill>
-                  <a:schemeClr val="bg1"/>
-                </a:solidFill>
-                <a:latin typeface="微软雅黑" pitchFamily="34" charset="-122"/>
-                <a:ea typeface="微软雅黑" pitchFamily="34" charset="-122"/>
-              </a:rPr>
-              <a:t>包名</a:t>
             </a:r>
             <a:r>
               <a:rPr lang="en-US" altLang="zh-CN" smtClean="0">
@@ -41150,47 +40963,7 @@
                 <a:latin typeface="微软雅黑" pitchFamily="34" charset="-122"/>
                 <a:ea typeface="微软雅黑" pitchFamily="34" charset="-122"/>
               </a:rPr>
-              <a:t>依赖包的管理主要涉及包的安装、更新、卸载</a:t>
-            </a:r>
-            <a:r>
-              <a:rPr lang="zh-CN" altLang="en-US" smtClean="0">
-                <a:solidFill>
-                  <a:schemeClr val="bg1"/>
-                </a:solidFill>
-                <a:latin typeface="微软雅黑" pitchFamily="34" charset="-122"/>
-                <a:ea typeface="微软雅黑" pitchFamily="34" charset="-122"/>
-              </a:rPr>
-              <a:t>、导入</a:t>
-            </a:r>
-            <a:r>
-              <a:rPr lang="zh-CN" altLang="en-US" smtClean="0">
-                <a:solidFill>
-                  <a:schemeClr val="bg1"/>
-                </a:solidFill>
-                <a:latin typeface="微软雅黑" pitchFamily="34" charset="-122"/>
-                <a:ea typeface="微软雅黑" pitchFamily="34" charset="-122"/>
-              </a:rPr>
-              <a:t>、</a:t>
-            </a:r>
-            <a:r>
-              <a:rPr lang="zh-CN" altLang="en-US" smtClean="0">
-                <a:solidFill>
-                  <a:schemeClr val="bg1"/>
-                </a:solidFill>
-                <a:latin typeface="微软雅黑" pitchFamily="34" charset="-122"/>
-                <a:ea typeface="微软雅黑" pitchFamily="34" charset="-122"/>
-              </a:rPr>
-              <a:t>移除等</a:t>
-            </a:r>
-            <a:r>
-              <a:rPr lang="zh-CN" altLang="en-US" smtClean="0">
-                <a:solidFill>
-                  <a:schemeClr val="bg1"/>
-                </a:solidFill>
-                <a:latin typeface="微软雅黑" pitchFamily="34" charset="-122"/>
-                <a:ea typeface="微软雅黑" pitchFamily="34" charset="-122"/>
-              </a:rPr>
-              <a:t>，具体操作如下：</a:t>
+              <a:t>依赖包的管理主要涉及包的安装、更新、卸载、导入、移除等，具体操作如下：</a:t>
             </a:r>
             <a:endParaRPr lang="en-US" altLang="zh-CN" smtClean="0">
               <a:solidFill>
@@ -41676,17 +41449,7 @@
                   <a:latin typeface="Consolas" pitchFamily="49" charset="0"/>
                   <a:cs typeface="Consolas" pitchFamily="49" charset="0"/>
                 </a:rPr>
-                <a:t>导入</a:t>
-              </a:r>
-              <a:r>
-                <a:rPr lang="zh-CN" altLang="en-US" sz="1200" smtClean="0">
-                  <a:solidFill>
-                    <a:schemeClr val="tx2"/>
-                  </a:solidFill>
-                  <a:latin typeface="Consolas" pitchFamily="49" charset="0"/>
-                  <a:cs typeface="Consolas" pitchFamily="49" charset="0"/>
-                </a:rPr>
-                <a:t>某个包到当前环境</a:t>
+                <a:t>导入某个包到当前环境</a:t>
               </a:r>
               <a:endParaRPr lang="en-US" altLang="zh-CN" sz="1200" smtClean="0">
                 <a:solidFill>
@@ -42407,7 +42170,17 @@
                 <a:latin typeface="微软雅黑" pitchFamily="34" charset="-122"/>
                 <a:ea typeface="微软雅黑" pitchFamily="34" charset="-122"/>
               </a:rPr>
-              <a:t>data(package</a:t>
+              <a:t>data(package='</a:t>
+            </a:r>
+            <a:r>
+              <a:rPr lang="zh-CN" altLang="en-US" smtClean="0">
+                <a:solidFill>
+                  <a:srgbClr val="00B0F0"/>
+                </a:solidFill>
+                <a:latin typeface="微软雅黑" pitchFamily="34" charset="-122"/>
+                <a:ea typeface="微软雅黑" pitchFamily="34" charset="-122"/>
+              </a:rPr>
+              <a:t>包名</a:t>
             </a:r>
             <a:r>
               <a:rPr lang="en-US" altLang="zh-CN">
@@ -42417,17 +42190,47 @@
                 <a:latin typeface="微软雅黑" pitchFamily="34" charset="-122"/>
                 <a:ea typeface="微软雅黑" pitchFamily="34" charset="-122"/>
               </a:rPr>
-              <a:t>='</a:t>
+              <a:t>')</a:t>
+            </a:r>
+            <a:r>
+              <a:rPr lang="en-US" altLang="zh-CN" smtClean="0">
+                <a:solidFill>
+                  <a:schemeClr val="bg1"/>
+                </a:solidFill>
+                <a:latin typeface="微软雅黑" pitchFamily="34" charset="-122"/>
+                <a:ea typeface="微软雅黑" pitchFamily="34" charset="-122"/>
+              </a:rPr>
+              <a:t>`</a:t>
             </a:r>
             <a:r>
               <a:rPr lang="zh-CN" altLang="en-US" smtClean="0">
                 <a:solidFill>
+                  <a:schemeClr val="bg1"/>
+                </a:solidFill>
+                <a:latin typeface="微软雅黑" pitchFamily="34" charset="-122"/>
+                <a:ea typeface="微软雅黑" pitchFamily="34" charset="-122"/>
+              </a:rPr>
+              <a:t>可查看该包预置了哪些数据集，执行</a:t>
+            </a:r>
+            <a:r>
+              <a:rPr lang="en-US" altLang="zh-CN" smtClean="0">
+                <a:solidFill>
+                  <a:schemeClr val="bg1"/>
+                </a:solidFill>
+                <a:latin typeface="微软雅黑" pitchFamily="34" charset="-122"/>
+                <a:ea typeface="微软雅黑" pitchFamily="34" charset="-122"/>
+              </a:rPr>
+              <a:t>`</a:t>
+            </a:r>
+            <a:r>
+              <a:rPr lang="en-US" altLang="zh-CN" smtClean="0">
+                <a:solidFill>
                   <a:srgbClr val="00B0F0"/>
                 </a:solidFill>
                 <a:latin typeface="微软雅黑" pitchFamily="34" charset="-122"/>
                 <a:ea typeface="微软雅黑" pitchFamily="34" charset="-122"/>
               </a:rPr>
-              <a:t>包名</a:t>
+              <a:t>data</a:t>
             </a:r>
             <a:r>
               <a:rPr lang="en-US" altLang="zh-CN">
@@ -42437,67 +42240,17 @@
                 <a:latin typeface="微软雅黑" pitchFamily="34" charset="-122"/>
                 <a:ea typeface="微软雅黑" pitchFamily="34" charset="-122"/>
               </a:rPr>
-              <a:t>')</a:t>
-            </a:r>
-            <a:r>
-              <a:rPr lang="en-US" altLang="zh-CN" smtClean="0">
-                <a:solidFill>
-                  <a:schemeClr val="bg1"/>
-                </a:solidFill>
-                <a:latin typeface="微软雅黑" pitchFamily="34" charset="-122"/>
-                <a:ea typeface="微软雅黑" pitchFamily="34" charset="-122"/>
-              </a:rPr>
-              <a:t>`</a:t>
-            </a:r>
-            <a:r>
-              <a:rPr lang="zh-CN" altLang="en-US" smtClean="0">
-                <a:solidFill>
-                  <a:schemeClr val="bg1"/>
-                </a:solidFill>
-                <a:latin typeface="微软雅黑" pitchFamily="34" charset="-122"/>
-                <a:ea typeface="微软雅黑" pitchFamily="34" charset="-122"/>
-              </a:rPr>
-              <a:t>可</a:t>
-            </a:r>
-            <a:r>
-              <a:rPr lang="zh-CN" altLang="en-US" smtClean="0">
-                <a:solidFill>
-                  <a:schemeClr val="bg1"/>
-                </a:solidFill>
-                <a:latin typeface="微软雅黑" pitchFamily="34" charset="-122"/>
-                <a:ea typeface="微软雅黑" pitchFamily="34" charset="-122"/>
-              </a:rPr>
-              <a:t>查看</a:t>
-            </a:r>
-            <a:r>
-              <a:rPr lang="zh-CN" altLang="en-US" smtClean="0">
-                <a:solidFill>
-                  <a:schemeClr val="bg1"/>
-                </a:solidFill>
-                <a:latin typeface="微软雅黑" pitchFamily="34" charset="-122"/>
-                <a:ea typeface="微软雅黑" pitchFamily="34" charset="-122"/>
-              </a:rPr>
-              <a:t>该包预置了哪些数据集，执行</a:t>
-            </a:r>
-            <a:r>
-              <a:rPr lang="en-US" altLang="zh-CN" smtClean="0">
-                <a:solidFill>
-                  <a:schemeClr val="bg1"/>
-                </a:solidFill>
-                <a:latin typeface="微软雅黑" pitchFamily="34" charset="-122"/>
-                <a:ea typeface="微软雅黑" pitchFamily="34" charset="-122"/>
-              </a:rPr>
-              <a:t>`</a:t>
-            </a:r>
-            <a:r>
-              <a:rPr lang="en-US" altLang="zh-CN" smtClean="0">
+              <a:t>(</a:t>
+            </a:r>
+            <a:r>
+              <a:rPr lang="zh-CN" altLang="en-US">
                 <a:solidFill>
                   <a:srgbClr val="00B0F0"/>
                 </a:solidFill>
                 <a:latin typeface="微软雅黑" pitchFamily="34" charset="-122"/>
                 <a:ea typeface="微软雅黑" pitchFamily="34" charset="-122"/>
               </a:rPr>
-              <a:t>data</a:t>
+              <a:t>具体对象名</a:t>
             </a:r>
             <a:r>
               <a:rPr lang="en-US" altLang="zh-CN">
@@ -42507,37 +42260,7 @@
                 <a:latin typeface="微软雅黑" pitchFamily="34" charset="-122"/>
                 <a:ea typeface="微软雅黑" pitchFamily="34" charset="-122"/>
               </a:rPr>
-              <a:t>(</a:t>
-            </a:r>
-            <a:r>
-              <a:rPr lang="zh-CN" altLang="en-US">
-                <a:solidFill>
-                  <a:srgbClr val="00B0F0"/>
-                </a:solidFill>
-                <a:latin typeface="微软雅黑" pitchFamily="34" charset="-122"/>
-                <a:ea typeface="微软雅黑" pitchFamily="34" charset="-122"/>
-              </a:rPr>
-              <a:t>具体对象名</a:t>
-            </a:r>
-            <a:r>
-              <a:rPr lang="en-US" altLang="zh-CN">
-                <a:solidFill>
-                  <a:srgbClr val="00B0F0"/>
-                </a:solidFill>
-                <a:latin typeface="微软雅黑" pitchFamily="34" charset="-122"/>
-                <a:ea typeface="微软雅黑" pitchFamily="34" charset="-122"/>
-              </a:rPr>
-              <a:t>, package</a:t>
-            </a:r>
-            <a:r>
-              <a:rPr lang="en-US" altLang="zh-CN">
-                <a:solidFill>
-                  <a:srgbClr val="00B0F0"/>
-                </a:solidFill>
-                <a:latin typeface="微软雅黑" pitchFamily="34" charset="-122"/>
-                <a:ea typeface="微软雅黑" pitchFamily="34" charset="-122"/>
-              </a:rPr>
-              <a:t>='</a:t>
+              <a:t>, package='</a:t>
             </a:r>
             <a:r>
               <a:rPr lang="zh-CN" altLang="en-US" smtClean="0">
@@ -45417,17 +45140,7 @@
                 <a:latin typeface="Consolas" pitchFamily="49" charset="0"/>
                 <a:cs typeface="Consolas" pitchFamily="49" charset="0"/>
               </a:rPr>
-              <a:t>="root</a:t>
-            </a:r>
-            <a:r>
-              <a:rPr lang="pt-BR" altLang="zh-CN" sz="1200">
-                <a:solidFill>
-                  <a:srgbClr val="00B0F0"/>
-                </a:solidFill>
-                <a:latin typeface="Consolas" pitchFamily="49" charset="0"/>
-                <a:cs typeface="Consolas" pitchFamily="49" charset="0"/>
-              </a:rPr>
-              <a:t>") </a:t>
+              <a:t>="root") </a:t>
             </a:r>
             <a:r>
               <a:rPr lang="pt-BR" altLang="zh-CN" sz="1200">
@@ -45486,7 +45199,17 @@
                 <a:latin typeface="Consolas" pitchFamily="49" charset="0"/>
                 <a:cs typeface="Consolas" pitchFamily="49" charset="0"/>
               </a:rPr>
-              <a:t>&gt; dbListTables(con) </a:t>
+              <a:t>&gt; </a:t>
+            </a:r>
+            <a:r>
+              <a:rPr lang="pt-BR" altLang="zh-CN" sz="1200" smtClean="0">
+                <a:solidFill>
+                  <a:srgbClr val="00B0F0"/>
+                </a:solidFill>
+                <a:latin typeface="Consolas" pitchFamily="49" charset="0"/>
+                <a:cs typeface="Consolas" pitchFamily="49" charset="0"/>
+              </a:rPr>
+              <a:t>dbListTables(conn) </a:t>
             </a:r>
             <a:r>
               <a:rPr lang="pt-BR" altLang="zh-CN" sz="1200">
@@ -45665,57 +45388,27 @@
                 <a:latin typeface="Consolas" pitchFamily="49" charset="0"/>
                 <a:cs typeface="Consolas" pitchFamily="49" charset="0"/>
               </a:rPr>
-              <a:t>处理中文乱</a:t>
-            </a:r>
-            <a:r>
-              <a:rPr lang="zh-CN" altLang="en-US" sz="1200">
+              <a:t>处理中文乱码</a:t>
+            </a:r>
+            <a:r>
+              <a:rPr lang="en-US" altLang="zh-CN" sz="1200" smtClean="0">
                 <a:solidFill>
                   <a:schemeClr val="tx2"/>
                 </a:solidFill>
                 <a:latin typeface="Consolas" pitchFamily="49" charset="0"/>
                 <a:cs typeface="Consolas" pitchFamily="49" charset="0"/>
               </a:rPr>
-              <a:t>码</a:t>
-            </a:r>
-            <a:r>
-              <a:rPr lang="en-US" altLang="zh-CN" sz="1200" smtClean="0">
+              <a:t>)</a:t>
+            </a:r>
+            <a:r>
+              <a:rPr lang="zh-CN" altLang="en-US" sz="1200" smtClean="0">
                 <a:solidFill>
                   <a:schemeClr val="tx2"/>
                 </a:solidFill>
                 <a:latin typeface="Consolas" pitchFamily="49" charset="0"/>
                 <a:cs typeface="Consolas" pitchFamily="49" charset="0"/>
               </a:rPr>
-              <a:t>)</a:t>
-            </a:r>
-            <a:r>
-              <a:rPr lang="zh-CN" altLang="en-US" sz="1200" smtClean="0">
-                <a:solidFill>
-                  <a:schemeClr val="tx2"/>
-                </a:solidFill>
-                <a:latin typeface="Consolas" pitchFamily="49" charset="0"/>
-                <a:cs typeface="Consolas" pitchFamily="49" charset="0"/>
-              </a:rPr>
-              <a:t>，随后</a:t>
-            </a:r>
-            <a:r>
-              <a:rPr lang="zh-CN" altLang="en-US" sz="1200" smtClean="0">
-                <a:solidFill>
-                  <a:schemeClr val="tx2"/>
-                </a:solidFill>
-                <a:latin typeface="Consolas" pitchFamily="49" charset="0"/>
-                <a:cs typeface="Consolas" pitchFamily="49" charset="0"/>
-              </a:rPr>
-              <a:t>清除</a:t>
-            </a:r>
-            <a:r>
-              <a:rPr lang="zh-CN" altLang="en-US" sz="1200" smtClean="0">
-                <a:solidFill>
-                  <a:schemeClr val="tx2"/>
-                </a:solidFill>
-                <a:latin typeface="Consolas" pitchFamily="49" charset="0"/>
-                <a:cs typeface="Consolas" pitchFamily="49" charset="0"/>
-              </a:rPr>
-              <a:t>结果集</a:t>
+              <a:t>，随后清除结果集</a:t>
             </a:r>
             <a:endParaRPr lang="en-US" altLang="zh-CN" sz="1200" smtClean="0">
               <a:solidFill>
@@ -46972,17 +46665,7 @@
                 <a:latin typeface="微软雅黑" pitchFamily="34" charset="-122"/>
                 <a:ea typeface="微软雅黑" pitchFamily="34" charset="-122"/>
               </a:rPr>
-              <a:t>将用作数据分析的</a:t>
-            </a:r>
-            <a:r>
-              <a:rPr lang="zh-CN" altLang="en-US">
-                <a:solidFill>
-                  <a:schemeClr val="bg1"/>
-                </a:solidFill>
-                <a:latin typeface="微软雅黑" pitchFamily="34" charset="-122"/>
-                <a:ea typeface="微软雅黑" pitchFamily="34" charset="-122"/>
-              </a:rPr>
-              <a:t>数据源</a:t>
+              <a:t>将用作数据分析的数据源</a:t>
             </a:r>
             <a:r>
               <a:rPr lang="zh-CN" altLang="en-US" smtClean="0">
@@ -48185,17 +47868,7 @@
                 <a:latin typeface="微软雅黑" pitchFamily="34" charset="-122"/>
                 <a:ea typeface="微软雅黑" pitchFamily="34" charset="-122"/>
               </a:rPr>
-              <a:t>多重插补</a:t>
-            </a:r>
-            <a:r>
-              <a:rPr lang="zh-CN" altLang="en-US" b="1">
-                <a:solidFill>
-                  <a:schemeClr val="bg1"/>
-                </a:solidFill>
-                <a:latin typeface="微软雅黑" pitchFamily="34" charset="-122"/>
-                <a:ea typeface="微软雅黑" pitchFamily="34" charset="-122"/>
-              </a:rPr>
-              <a:t>法</a:t>
+              <a:t>多重插补法</a:t>
             </a:r>
             <a:r>
               <a:rPr lang="zh-CN" altLang="en-US" smtClean="0">
@@ -48255,9 +47928,79 @@
                 <a:latin typeface="微软雅黑" pitchFamily="34" charset="-122"/>
                 <a:ea typeface="微软雅黑" pitchFamily="34" charset="-122"/>
               </a:rPr>
+              <a:t>）、</a:t>
+            </a:r>
+            <a:r>
+              <a:rPr lang="zh-CN" altLang="en-US" smtClean="0">
+                <a:solidFill>
+                  <a:schemeClr val="bg1"/>
+                </a:solidFill>
+                <a:latin typeface="微软雅黑" pitchFamily="34" charset="-122"/>
+                <a:ea typeface="微软雅黑" pitchFamily="34" charset="-122"/>
+              </a:rPr>
+              <a:t>广义线性模型（</a:t>
+            </a:r>
+            <a:r>
+              <a:rPr lang="en-US" altLang="zh-CN">
+                <a:solidFill>
+                  <a:schemeClr val="bg1"/>
+                </a:solidFill>
+                <a:latin typeface="微软雅黑" pitchFamily="34" charset="-122"/>
+                <a:ea typeface="微软雅黑" pitchFamily="34" charset="-122"/>
+              </a:rPr>
+              <a:t>glm</a:t>
+            </a:r>
+            <a:r>
+              <a:rPr lang="zh-CN" altLang="en-US">
+                <a:solidFill>
+                  <a:schemeClr val="bg1"/>
+                </a:solidFill>
+                <a:latin typeface="微软雅黑" pitchFamily="34" charset="-122"/>
+                <a:ea typeface="微软雅黑" pitchFamily="34" charset="-122"/>
+              </a:rPr>
+              <a:t>）或广义可</a:t>
+            </a:r>
+            <a:r>
+              <a:rPr lang="zh-CN" altLang="en-US" smtClean="0">
+                <a:solidFill>
+                  <a:schemeClr val="bg1"/>
+                </a:solidFill>
+                <a:latin typeface="微软雅黑" pitchFamily="34" charset="-122"/>
+                <a:ea typeface="微软雅黑" pitchFamily="34" charset="-122"/>
+              </a:rPr>
+              <a:t>加模型（</a:t>
+            </a:r>
+            <a:r>
+              <a:rPr lang="en-US" altLang="zh-CN">
+                <a:solidFill>
+                  <a:schemeClr val="bg1"/>
+                </a:solidFill>
+                <a:latin typeface="微软雅黑" pitchFamily="34" charset="-122"/>
+                <a:ea typeface="微软雅黑" pitchFamily="34" charset="-122"/>
+              </a:rPr>
+              <a:t>gam</a:t>
+            </a:r>
+            <a:r>
+              <a:rPr lang="zh-CN" altLang="en-US">
+                <a:solidFill>
+                  <a:schemeClr val="bg1"/>
+                </a:solidFill>
+                <a:latin typeface="微软雅黑" pitchFamily="34" charset="-122"/>
+                <a:ea typeface="微软雅黑" pitchFamily="34" charset="-122"/>
+              </a:rPr>
               <a:t>）</a:t>
             </a:r>
             <a:r>
+              <a:rPr lang="zh-CN" altLang="en-US" smtClean="0">
+                <a:solidFill>
+                  <a:schemeClr val="bg1"/>
+                </a:solidFill>
+                <a:latin typeface="微软雅黑" pitchFamily="34" charset="-122"/>
+                <a:ea typeface="微软雅黑" pitchFamily="34" charset="-122"/>
+              </a:rPr>
+              <a:t>等进行</a:t>
+            </a:r>
+            <a:r>
               <a:rPr lang="zh-CN" altLang="en-US">
                 <a:solidFill>
                   <a:schemeClr val="bg1"/>
@@ -48265,7 +48008,7 @@
                 <a:latin typeface="微软雅黑" pitchFamily="34" charset="-122"/>
                 <a:ea typeface="微软雅黑" pitchFamily="34" charset="-122"/>
               </a:rPr>
-              <a:t>、</a:t>
+              <a:t>插补建模，再将这些完整的模型整合到一起，评价插补模型的优劣并返回完整数据集</a:t>
             </a:r>
             <a:r>
               <a:rPr lang="zh-CN" altLang="en-US" smtClean="0">
@@ -48275,17 +48018,7 @@
                 <a:latin typeface="微软雅黑" pitchFamily="34" charset="-122"/>
                 <a:ea typeface="微软雅黑" pitchFamily="34" charset="-122"/>
               </a:rPr>
-              <a:t>广义线性模型（</a:t>
-            </a:r>
-            <a:r>
-              <a:rPr lang="en-US" altLang="zh-CN">
-                <a:solidFill>
-                  <a:schemeClr val="bg1"/>
-                </a:solidFill>
-                <a:latin typeface="微软雅黑" pitchFamily="34" charset="-122"/>
-                <a:ea typeface="微软雅黑" pitchFamily="34" charset="-122"/>
-              </a:rPr>
-              <a:t>glm</a:t>
+              <a:t>。</a:t>
             </a:r>
             <a:r>
               <a:rPr lang="zh-CN" altLang="en-US">
@@ -48295,107 +48028,7 @@
                 <a:latin typeface="微软雅黑" pitchFamily="34" charset="-122"/>
                 <a:ea typeface="微软雅黑" pitchFamily="34" charset="-122"/>
               </a:rPr>
-              <a:t>）或广义</a:t>
-            </a:r>
-            <a:r>
-              <a:rPr lang="zh-CN" altLang="en-US">
-                <a:solidFill>
-                  <a:schemeClr val="bg1"/>
-                </a:solidFill>
-                <a:latin typeface="微软雅黑" pitchFamily="34" charset="-122"/>
-                <a:ea typeface="微软雅黑" pitchFamily="34" charset="-122"/>
-              </a:rPr>
-              <a:t>可</a:t>
-            </a:r>
-            <a:r>
-              <a:rPr lang="zh-CN" altLang="en-US" smtClean="0">
-                <a:solidFill>
-                  <a:schemeClr val="bg1"/>
-                </a:solidFill>
-                <a:latin typeface="微软雅黑" pitchFamily="34" charset="-122"/>
-                <a:ea typeface="微软雅黑" pitchFamily="34" charset="-122"/>
-              </a:rPr>
-              <a:t>加模型（</a:t>
-            </a:r>
-            <a:r>
-              <a:rPr lang="en-US" altLang="zh-CN">
-                <a:solidFill>
-                  <a:schemeClr val="bg1"/>
-                </a:solidFill>
-                <a:latin typeface="微软雅黑" pitchFamily="34" charset="-122"/>
-                <a:ea typeface="微软雅黑" pitchFamily="34" charset="-122"/>
-              </a:rPr>
-              <a:t>gam</a:t>
-            </a:r>
-            <a:r>
-              <a:rPr lang="zh-CN" altLang="en-US">
-                <a:solidFill>
-                  <a:schemeClr val="bg1"/>
-                </a:solidFill>
-                <a:latin typeface="微软雅黑" pitchFamily="34" charset="-122"/>
-                <a:ea typeface="微软雅黑" pitchFamily="34" charset="-122"/>
-              </a:rPr>
-              <a:t>）</a:t>
-            </a:r>
-            <a:r>
-              <a:rPr lang="zh-CN" altLang="en-US" smtClean="0">
-                <a:solidFill>
-                  <a:schemeClr val="bg1"/>
-                </a:solidFill>
-                <a:latin typeface="微软雅黑" pitchFamily="34" charset="-122"/>
-                <a:ea typeface="微软雅黑" pitchFamily="34" charset="-122"/>
-              </a:rPr>
-              <a:t>等进行</a:t>
-            </a:r>
-            <a:r>
-              <a:rPr lang="zh-CN" altLang="en-US">
-                <a:solidFill>
-                  <a:schemeClr val="bg1"/>
-                </a:solidFill>
-                <a:latin typeface="微软雅黑" pitchFamily="34" charset="-122"/>
-                <a:ea typeface="微软雅黑" pitchFamily="34" charset="-122"/>
-              </a:rPr>
-              <a:t>插补建模，再将这些完整的模型整合到一起，评价插补模型的优劣并返回完整数据</a:t>
-            </a:r>
-            <a:r>
-              <a:rPr lang="zh-CN" altLang="en-US">
-                <a:solidFill>
-                  <a:schemeClr val="bg1"/>
-                </a:solidFill>
-                <a:latin typeface="微软雅黑" pitchFamily="34" charset="-122"/>
-                <a:ea typeface="微软雅黑" pitchFamily="34" charset="-122"/>
-              </a:rPr>
-              <a:t>集</a:t>
-            </a:r>
-            <a:r>
-              <a:rPr lang="zh-CN" altLang="en-US" smtClean="0">
-                <a:solidFill>
-                  <a:schemeClr val="bg1"/>
-                </a:solidFill>
-                <a:latin typeface="微软雅黑" pitchFamily="34" charset="-122"/>
-                <a:ea typeface="微软雅黑" pitchFamily="34" charset="-122"/>
-              </a:rPr>
-              <a:t>。</a:t>
-            </a:r>
-            <a:r>
-              <a:rPr lang="zh-CN" altLang="en-US">
-                <a:solidFill>
-                  <a:schemeClr val="bg1"/>
-                </a:solidFill>
-                <a:latin typeface="微软雅黑" pitchFamily="34" charset="-122"/>
-                <a:ea typeface="微软雅黑" pitchFamily="34" charset="-122"/>
-              </a:rPr>
-              <a:t>面对复杂的缺失值问题时，该方法是最</a:t>
-            </a:r>
-            <a:r>
-              <a:rPr lang="zh-CN" altLang="en-US">
-                <a:solidFill>
-                  <a:schemeClr val="bg1"/>
-                </a:solidFill>
-                <a:latin typeface="微软雅黑" pitchFamily="34" charset="-122"/>
-                <a:ea typeface="微软雅黑" pitchFamily="34" charset="-122"/>
-              </a:rPr>
-              <a:t>常用</a:t>
+              <a:t>面对复杂的缺失值问题时，该方法是最常用</a:t>
             </a:r>
             <a:r>
               <a:rPr lang="zh-CN" altLang="en-US" smtClean="0">
@@ -48578,17 +48211,7 @@
                 <a:latin typeface="微软雅黑" pitchFamily="34" charset="-122"/>
                 <a:ea typeface="微软雅黑" pitchFamily="34" charset="-122"/>
               </a:rPr>
-              <a:t>数据集来演示多重插补法的具体</a:t>
-            </a:r>
-            <a:r>
-              <a:rPr lang="zh-CN" altLang="en-US">
-                <a:solidFill>
-                  <a:schemeClr val="bg1"/>
-                </a:solidFill>
-                <a:latin typeface="微软雅黑" pitchFamily="34" charset="-122"/>
-                <a:ea typeface="微软雅黑" pitchFamily="34" charset="-122"/>
-              </a:rPr>
-              <a:t>实现</a:t>
+              <a:t>数据集来演示多重插补法的具体实现</a:t>
             </a:r>
             <a:r>
               <a:rPr lang="zh-CN" altLang="en-US" smtClean="0">
